--- a/Rossmann Stores/Presentation.pptx
+++ b/Rossmann Stores/Presentation.pptx
@@ -6018,7 +6018,7 @@
           <a:p>
             <a:fld id="{964D18D2-501B-4760-8222-0A5AB737AEE3}" type="datetimeFigureOut">
               <a:rPr lang="en-US" smtClean="0"/>
-              <a:t>12/27/2020</a:t>
+              <a:t>2/14/2021</a:t>
             </a:fld>
             <a:endParaRPr lang="en-US"/>
           </a:p>
@@ -6639,7 +6639,7 @@
           <a:p>
             <a:fld id="{C2856651-7D56-464F-A29E-2BDA19458DFA}" type="datetimeFigureOut">
               <a:rPr lang="en-US" smtClean="0"/>
-              <a:t>12/27/2020</a:t>
+              <a:t>2/14/2021</a:t>
             </a:fld>
             <a:endParaRPr lang="en-US"/>
           </a:p>
@@ -6914,7 +6914,7 @@
           <a:p>
             <a:fld id="{C2856651-7D56-464F-A29E-2BDA19458DFA}" type="datetimeFigureOut">
               <a:rPr lang="en-US" smtClean="0"/>
-              <a:t>12/27/2020</a:t>
+              <a:t>2/14/2021</a:t>
             </a:fld>
             <a:endParaRPr lang="en-US"/>
           </a:p>
@@ -7108,7 +7108,7 @@
           <a:p>
             <a:fld id="{C2856651-7D56-464F-A29E-2BDA19458DFA}" type="datetimeFigureOut">
               <a:rPr lang="en-US" smtClean="0"/>
-              <a:t>12/27/2020</a:t>
+              <a:t>2/14/2021</a:t>
             </a:fld>
             <a:endParaRPr lang="en-US"/>
           </a:p>
@@ -7381,7 +7381,7 @@
           <a:p>
             <a:fld id="{C2856651-7D56-464F-A29E-2BDA19458DFA}" type="datetimeFigureOut">
               <a:rPr lang="en-US" smtClean="0"/>
-              <a:t>12/27/2020</a:t>
+              <a:t>2/14/2021</a:t>
             </a:fld>
             <a:endParaRPr lang="en-US"/>
           </a:p>
@@ -7722,7 +7722,7 @@
           <a:p>
             <a:fld id="{C2856651-7D56-464F-A29E-2BDA19458DFA}" type="datetimeFigureOut">
               <a:rPr lang="en-US" smtClean="0"/>
-              <a:t>12/27/2020</a:t>
+              <a:t>2/14/2021</a:t>
             </a:fld>
             <a:endParaRPr lang="en-US"/>
           </a:p>
@@ -8345,7 +8345,7 @@
           <a:p>
             <a:fld id="{C2856651-7D56-464F-A29E-2BDA19458DFA}" type="datetimeFigureOut">
               <a:rPr lang="en-US" smtClean="0"/>
-              <a:t>12/27/2020</a:t>
+              <a:t>2/14/2021</a:t>
             </a:fld>
             <a:endParaRPr lang="en-US"/>
           </a:p>
@@ -9205,7 +9205,7 @@
           <a:p>
             <a:fld id="{C2856651-7D56-464F-A29E-2BDA19458DFA}" type="datetimeFigureOut">
               <a:rPr lang="en-US" smtClean="0"/>
-              <a:t>12/27/2020</a:t>
+              <a:t>2/14/2021</a:t>
             </a:fld>
             <a:endParaRPr lang="en-US"/>
           </a:p>
@@ -9375,7 +9375,7 @@
           <a:p>
             <a:fld id="{C2856651-7D56-464F-A29E-2BDA19458DFA}" type="datetimeFigureOut">
               <a:rPr lang="en-US" smtClean="0"/>
-              <a:t>12/27/2020</a:t>
+              <a:t>2/14/2021</a:t>
             </a:fld>
             <a:endParaRPr lang="en-US"/>
           </a:p>
@@ -9555,7 +9555,7 @@
           <a:p>
             <a:fld id="{C2856651-7D56-464F-A29E-2BDA19458DFA}" type="datetimeFigureOut">
               <a:rPr lang="en-US" smtClean="0"/>
-              <a:t>12/27/2020</a:t>
+              <a:t>2/14/2021</a:t>
             </a:fld>
             <a:endParaRPr lang="en-US"/>
           </a:p>
@@ -9725,7 +9725,7 @@
           <a:p>
             <a:fld id="{C2856651-7D56-464F-A29E-2BDA19458DFA}" type="datetimeFigureOut">
               <a:rPr lang="en-US" smtClean="0"/>
-              <a:t>12/27/2020</a:t>
+              <a:t>2/14/2021</a:t>
             </a:fld>
             <a:endParaRPr lang="en-US"/>
           </a:p>
@@ -9972,7 +9972,7 @@
           <a:p>
             <a:fld id="{C2856651-7D56-464F-A29E-2BDA19458DFA}" type="datetimeFigureOut">
               <a:rPr lang="en-US" smtClean="0"/>
-              <a:t>12/27/2020</a:t>
+              <a:t>2/14/2021</a:t>
             </a:fld>
             <a:endParaRPr lang="en-US"/>
           </a:p>
@@ -10264,7 +10264,7 @@
           <a:p>
             <a:fld id="{C2856651-7D56-464F-A29E-2BDA19458DFA}" type="datetimeFigureOut">
               <a:rPr lang="en-US" smtClean="0"/>
-              <a:t>12/27/2020</a:t>
+              <a:t>2/14/2021</a:t>
             </a:fld>
             <a:endParaRPr lang="en-US"/>
           </a:p>
@@ -10708,7 +10708,7 @@
           <a:p>
             <a:fld id="{C2856651-7D56-464F-A29E-2BDA19458DFA}" type="datetimeFigureOut">
               <a:rPr lang="en-US" smtClean="0"/>
-              <a:t>12/27/2020</a:t>
+              <a:t>2/14/2021</a:t>
             </a:fld>
             <a:endParaRPr lang="en-US"/>
           </a:p>
@@ -10826,7 +10826,7 @@
           <a:p>
             <a:fld id="{C2856651-7D56-464F-A29E-2BDA19458DFA}" type="datetimeFigureOut">
               <a:rPr lang="en-US" smtClean="0"/>
-              <a:t>12/27/2020</a:t>
+              <a:t>2/14/2021</a:t>
             </a:fld>
             <a:endParaRPr lang="en-US"/>
           </a:p>
@@ -10921,7 +10921,7 @@
           <a:p>
             <a:fld id="{C2856651-7D56-464F-A29E-2BDA19458DFA}" type="datetimeFigureOut">
               <a:rPr lang="en-US" smtClean="0"/>
-              <a:t>12/27/2020</a:t>
+              <a:t>2/14/2021</a:t>
             </a:fld>
             <a:endParaRPr lang="en-US"/>
           </a:p>
@@ -11200,7 +11200,7 @@
           <a:p>
             <a:fld id="{C2856651-7D56-464F-A29E-2BDA19458DFA}" type="datetimeFigureOut">
               <a:rPr lang="en-US" smtClean="0"/>
-              <a:t>12/27/2020</a:t>
+              <a:t>2/14/2021</a:t>
             </a:fld>
             <a:endParaRPr lang="en-US"/>
           </a:p>
@@ -11475,7 +11475,7 @@
           <a:p>
             <a:fld id="{C2856651-7D56-464F-A29E-2BDA19458DFA}" type="datetimeFigureOut">
               <a:rPr lang="en-US" smtClean="0"/>
-              <a:t>12/27/2020</a:t>
+              <a:t>2/14/2021</a:t>
             </a:fld>
             <a:endParaRPr lang="en-US"/>
           </a:p>
@@ -11904,7 +11904,7 @@
           <a:p>
             <a:fld id="{C2856651-7D56-464F-A29E-2BDA19458DFA}" type="datetimeFigureOut">
               <a:rPr lang="en-US" smtClean="0"/>
-              <a:t>12/27/2020</a:t>
+              <a:t>2/14/2021</a:t>
             </a:fld>
             <a:endParaRPr lang="en-US"/>
           </a:p>
@@ -12631,9 +12631,20 @@
         </p:spPr>
         <p:txBody>
           <a:bodyPr>
-            <a:normAutofit/>
+            <a:normAutofit lnSpcReduction="10000"/>
           </a:bodyPr>
           <a:lstStyle/>
+          <a:p>
+            <a:pPr>
+              <a:lnSpc>
+                <a:spcPct val="90000"/>
+              </a:lnSpc>
+            </a:pPr>
+            <a:r>
+              <a:rPr lang="en-IN" sz="1600" dirty="0"/>
+              <a:t>Data consists of 1million rows and 9 features.</a:t>
+            </a:r>
+          </a:p>
           <a:p>
             <a:pPr>
               <a:lnSpc>
